--- a/UGS_FYP_Poster_CS7239.pptx
+++ b/UGS_FYP_Poster_CS7239.pptx
@@ -373,7 +373,7 @@
           <a:noFill/>
           <a:extLst>
             <a:ext uri="{909E8E84-426E-40dd-AFC4-6F175D3DCCD1}">
-              <a14:hiddenFill xmlns:a14="http://schemas.microsoft.com/office/drawing/2010/main" xmlns="">
+              <a14:hiddenFill xmlns="" xmlns:a14="http://schemas.microsoft.com/office/drawing/2010/main">
                 <a:solidFill>
                   <a:srgbClr val="FFFFFF"/>
                 </a:solidFill>
@@ -420,7 +420,7 @@
           <a:noFill/>
           <a:extLst>
             <a:ext uri="{909E8E84-426E-40dd-AFC4-6F175D3DCCD1}">
-              <a14:hiddenFill xmlns:a14="http://schemas.microsoft.com/office/drawing/2010/main" xmlns="">
+              <a14:hiddenFill xmlns="" xmlns:a14="http://schemas.microsoft.com/office/drawing/2010/main">
                 <a:solidFill>
                   <a:srgbClr val="FFFFFF"/>
                 </a:solidFill>
@@ -1090,7 +1090,7 @@
         <p:spPr>
           <a:xfrm>
             <a:off x="0" y="2026980"/>
-            <a:ext cx="21386800" cy="1938992"/>
+            <a:ext cx="21386800" cy="1015663"/>
           </a:xfrm>
           <a:prstGeom prst="rect">
             <a:avLst/>
@@ -1113,18 +1113,7 @@
                   <a:srgbClr val="00306C"/>
                 </a:solidFill>
               </a:rPr>
-              <a:t>Hybrid Localization with Video Based Positioning </a:t>
-            </a:r>
-          </a:p>
-          <a:p>
-            <a:pPr algn="ctr"/>
-            <a:r>
-              <a:rPr lang="en-GB" sz="6000" b="1" dirty="0">
-                <a:solidFill>
-                  <a:srgbClr val="00306C"/>
-                </a:solidFill>
-              </a:rPr>
-              <a:t>Technology</a:t>
+              <a:t>Hybrid Localization with Video Based Positioning Technology</a:t>
             </a:r>
           </a:p>
         </p:txBody>
@@ -1143,8 +1132,8 @@
         </p:nvSpPr>
         <p:spPr>
           <a:xfrm>
-            <a:off x="0" y="3052331"/>
-            <a:ext cx="13933760" cy="5766872"/>
+            <a:off x="0" y="2864488"/>
+            <a:ext cx="13933760" cy="6228537"/>
           </a:xfrm>
           <a:prstGeom prst="rect">
             <a:avLst/>
@@ -1155,7 +1144,7 @@
           </a:ln>
           <a:extLst>
             <a:ext uri="{C572A759-6A51-4108-AA02-DFA0A04FC94B}">
-              <ma14:wrappingTextBoxFlag xmlns="" xmlns:ma14="http://schemas.microsoft.com/office/mac/drawingml/2011/main" val="1"/>
+              <ma14:wrappingTextBoxFlag xmlns:ma14="http://schemas.microsoft.com/office/mac/drawingml/2011/main" xmlns="" val="1"/>
             </a:ext>
           </a:extLst>
         </p:spPr>
@@ -1259,7 +1248,7 @@
                 <a:cs typeface="CMU Sans Serif"/>
                 <a:sym typeface="CMU Sans Serif"/>
               </a:rPr>
-              <a:t>This proposed solution provides for an infrastructure-less and low cost solution in the indoor localization field by applying pedestrian dead reckoning using the smartphone’s sensors and camera to track the user’s location as well as to scan the QR Code.</a:t>
+              <a:t>This proposed solution provides for an infrastructure-less and low cost solution in the indoor localization field by applying pedestrian dead reckoning using the smartphone’s sensors and camera to track the user’s location as well as to scan the QR Code as well as a stationary accelerometer prompt to allow users to reset the accelerometer.</a:t>
             </a:r>
           </a:p>
         </p:txBody>
@@ -1356,7 +1345,7 @@
         </p:nvSpPr>
         <p:spPr>
           <a:xfrm>
-            <a:off x="13933760" y="3051674"/>
+            <a:off x="13933760" y="2864488"/>
             <a:ext cx="7449906" cy="4651182"/>
           </a:xfrm>
           <a:prstGeom prst="rect">
@@ -1368,7 +1357,7 @@
           </a:ln>
           <a:extLst>
             <a:ext uri="{C572A759-6A51-4108-AA02-DFA0A04FC94B}">
-              <ma14:wrappingTextBoxFlag xmlns="" xmlns:ma14="http://schemas.microsoft.com/office/mac/drawingml/2011/main" val="1"/>
+              <ma14:wrappingTextBoxFlag xmlns:ma14="http://schemas.microsoft.com/office/mac/drawingml/2011/main" xmlns="" val="1"/>
             </a:ext>
           </a:extLst>
         </p:spPr>
@@ -1556,7 +1545,7 @@
         </p:nvSpPr>
         <p:spPr>
           <a:xfrm>
-            <a:off x="0" y="8317985"/>
+            <a:off x="0" y="8714402"/>
             <a:ext cx="7312159" cy="1342584"/>
           </a:xfrm>
           <a:prstGeom prst="rect">
@@ -1568,7 +1557,7 @@
           </a:ln>
           <a:extLst>
             <a:ext uri="{C572A759-6A51-4108-AA02-DFA0A04FC94B}">
-              <ma14:wrappingTextBoxFlag xmlns="" xmlns:ma14="http://schemas.microsoft.com/office/mac/drawingml/2011/main" val="1"/>
+              <ma14:wrappingTextBoxFlag xmlns:ma14="http://schemas.microsoft.com/office/mac/drawingml/2011/main" xmlns="" val="1"/>
             </a:ext>
           </a:extLst>
         </p:spPr>
@@ -1616,7 +1605,7 @@
         </p:nvSpPr>
         <p:spPr>
           <a:xfrm>
-            <a:off x="1751580" y="12961184"/>
+            <a:off x="1751580" y="13267758"/>
             <a:ext cx="5654818" cy="400110"/>
           </a:xfrm>
           <a:prstGeom prst="rect">
@@ -1651,7 +1640,7 @@
         </p:nvSpPr>
         <p:spPr>
           <a:xfrm>
-            <a:off x="9638969" y="7962407"/>
+            <a:off x="9663146" y="8151842"/>
             <a:ext cx="11752086" cy="6254185"/>
           </a:xfrm>
           <a:prstGeom prst="rect">
@@ -1663,7 +1652,7 @@
           </a:ln>
           <a:extLst>
             <a:ext uri="{C572A759-6A51-4108-AA02-DFA0A04FC94B}">
-              <ma14:wrappingTextBoxFlag xmlns="" xmlns:ma14="http://schemas.microsoft.com/office/mac/drawingml/2011/main" val="1"/>
+              <ma14:wrappingTextBoxFlag xmlns:ma14="http://schemas.microsoft.com/office/mac/drawingml/2011/main" xmlns="" val="1"/>
             </a:ext>
           </a:extLst>
         </p:spPr>
@@ -1844,7 +1833,7 @@
           </a:ln>
           <a:extLst>
             <a:ext uri="{C572A759-6A51-4108-AA02-DFA0A04FC94B}">
-              <ma14:wrappingTextBoxFlag xmlns="" xmlns:ma14="http://schemas.microsoft.com/office/mac/drawingml/2011/main" val="1"/>
+              <ma14:wrappingTextBoxFlag xmlns:ma14="http://schemas.microsoft.com/office/mac/drawingml/2011/main" xmlns="" val="1"/>
             </a:ext>
           </a:extLst>
         </p:spPr>
@@ -2710,7 +2699,7 @@
           </a:ln>
           <a:extLst>
             <a:ext uri="{C572A759-6A51-4108-AA02-DFA0A04FC94B}">
-              <ma14:wrappingTextBoxFlag xmlns="" xmlns:ma14="http://schemas.microsoft.com/office/mac/drawingml/2011/main" val="1"/>
+              <ma14:wrappingTextBoxFlag xmlns:ma14="http://schemas.microsoft.com/office/mac/drawingml/2011/main" xmlns="" val="1"/>
             </a:ext>
           </a:extLst>
         </p:spPr>
@@ -3038,7 +3027,7 @@
           </a:ln>
           <a:extLst>
             <a:ext uri="{C572A759-6A51-4108-AA02-DFA0A04FC94B}">
-              <ma14:wrappingTextBoxFlag xmlns="" xmlns:ma14="http://schemas.microsoft.com/office/mac/drawingml/2011/main" val="1"/>
+              <ma14:wrappingTextBoxFlag xmlns:ma14="http://schemas.microsoft.com/office/mac/drawingml/2011/main" xmlns="" val="1"/>
             </a:ext>
           </a:extLst>
         </p:spPr>
@@ -3382,7 +3371,7 @@
           </a:ln>
           <a:extLst>
             <a:ext uri="{C572A759-6A51-4108-AA02-DFA0A04FC94B}">
-              <ma14:wrappingTextBoxFlag xmlns="" xmlns:ma14="http://schemas.microsoft.com/office/mac/drawingml/2011/main" val="1"/>
+              <ma14:wrappingTextBoxFlag xmlns:ma14="http://schemas.microsoft.com/office/mac/drawingml/2011/main" xmlns="" val="1"/>
             </a:ext>
           </a:extLst>
         </p:spPr>
@@ -3613,7 +3602,7 @@
           </a:ln>
           <a:extLst>
             <a:ext uri="{C572A759-6A51-4108-AA02-DFA0A04FC94B}">
-              <ma14:wrappingTextBoxFlag xmlns="" xmlns:ma14="http://schemas.microsoft.com/office/mac/drawingml/2011/main" val="1"/>
+              <ma14:wrappingTextBoxFlag xmlns:ma14="http://schemas.microsoft.com/office/mac/drawingml/2011/main" xmlns="" val="1"/>
             </a:ext>
           </a:extLst>
         </p:spPr>
@@ -3783,7 +3772,7 @@
         </p:blipFill>
         <p:spPr>
           <a:xfrm>
-            <a:off x="252241" y="9323976"/>
+            <a:off x="252241" y="9630550"/>
             <a:ext cx="9419096" cy="3120930"/>
           </a:xfrm>
           <a:prstGeom prst="rect">

--- a/UGS_FYP_Poster_CS7239.pptx
+++ b/UGS_FYP_Poster_CS7239.pptx
@@ -223,7 +223,7 @@
           <a:p>
             <a:fld id="{D3FE56BA-03B8-4704-9319-ED79A82C4EFE}" type="datetimeFigureOut">
               <a:rPr lang="en-GB" smtClean="0"/>
-              <a:t>16/02/2020</a:t>
+              <a:t>17/02/2020</a:t>
             </a:fld>
             <a:endParaRPr lang="en-GB"/>
           </a:p>
@@ -1040,41 +1040,6 @@
           </a:p>
         </p:txBody>
       </p:sp>
-      <p:pic>
-        <p:nvPicPr>
-          <p:cNvPr id="30" name="Picture 29">
-            <a:extLst>
-              <a:ext uri="{FF2B5EF4-FFF2-40B4-BE49-F238E27FC236}">
-                <a16:creationId xmlns:a16="http://schemas.microsoft.com/office/drawing/2014/main" id="{6F07904A-82C3-410B-8717-952B2C0C822D}"/>
-              </a:ext>
-            </a:extLst>
-          </p:cNvPr>
-          <p:cNvPicPr>
-            <a:picLocks noChangeAspect="1"/>
-          </p:cNvPicPr>
-          <p:nvPr/>
-        </p:nvPicPr>
-        <p:blipFill rotWithShape="1">
-          <a:blip r:embed="rId2" cstate="print">
-            <a:extLst>
-              <a:ext uri="{28A0092B-C50C-407E-A947-70E740481C1C}">
-                <a14:useLocalDpi xmlns:a14="http://schemas.microsoft.com/office/drawing/2010/main" val="0"/>
-              </a:ext>
-            </a:extLst>
-          </a:blip>
-          <a:srcRect l="8333" t="8449" r="9904" b="9616"/>
-          <a:stretch/>
-        </p:blipFill>
-        <p:spPr>
-          <a:xfrm>
-            <a:off x="20171800" y="0"/>
-            <a:ext cx="1215000" cy="1620000"/>
-          </a:xfrm>
-          <a:prstGeom prst="rect">
-            <a:avLst/>
-          </a:prstGeom>
-        </p:spPr>
-      </p:pic>
       <p:sp>
         <p:nvSpPr>
           <p:cNvPr id="32" name="TextBox 31">
@@ -1089,7 +1054,7 @@
         </p:nvSpPr>
         <p:spPr>
           <a:xfrm>
-            <a:off x="0" y="2026980"/>
+            <a:off x="0" y="1769468"/>
             <a:ext cx="21386800" cy="1015663"/>
           </a:xfrm>
           <a:prstGeom prst="rect">
@@ -1821,7 +1786,7 @@
         </p:nvSpPr>
         <p:spPr>
           <a:xfrm>
-            <a:off x="0" y="13848730"/>
+            <a:off x="0" y="13778155"/>
             <a:ext cx="12424533" cy="7500680"/>
           </a:xfrm>
           <a:prstGeom prst="rect">
@@ -2096,7 +2061,7 @@
           <p:nvPr/>
         </p:nvPicPr>
         <p:blipFill>
-          <a:blip r:embed="rId3" cstate="print">
+          <a:blip r:embed="rId2" cstate="print">
             <a:extLst>
               <a:ext uri="{28A0092B-C50C-407E-A947-70E740481C1C}">
                 <a14:useLocalDpi xmlns:a14="http://schemas.microsoft.com/office/drawing/2010/main" val="0"/>
@@ -2178,7 +2143,7 @@
           <p:nvPr/>
         </p:nvPicPr>
         <p:blipFill>
-          <a:blip r:embed="rId4" cstate="print">
+          <a:blip r:embed="rId3" cstate="print">
             <a:extLst>
               <a:ext uri="{28A0092B-C50C-407E-A947-70E740481C1C}">
                 <a14:useLocalDpi xmlns:a14="http://schemas.microsoft.com/office/drawing/2010/main" val="0"/>
@@ -2260,7 +2225,7 @@
           <p:nvPr/>
         </p:nvPicPr>
         <p:blipFill>
-          <a:blip r:embed="rId5" cstate="print">
+          <a:blip r:embed="rId4" cstate="print">
             <a:extLst>
               <a:ext uri="{28A0092B-C50C-407E-A947-70E740481C1C}">
                 <a14:useLocalDpi xmlns:a14="http://schemas.microsoft.com/office/drawing/2010/main" val="0"/>
@@ -2296,7 +2261,7 @@
           <p:nvPr/>
         </p:nvPicPr>
         <p:blipFill>
-          <a:blip r:embed="rId3" cstate="print">
+          <a:blip r:embed="rId2" cstate="print">
             <a:extLst>
               <a:ext uri="{28A0092B-C50C-407E-A947-70E740481C1C}">
                 <a14:useLocalDpi xmlns:a14="http://schemas.microsoft.com/office/drawing/2010/main" val="0"/>
@@ -2378,7 +2343,7 @@
           <p:nvPr/>
         </p:nvPicPr>
         <p:blipFill>
-          <a:blip r:embed="rId4" cstate="print">
+          <a:blip r:embed="rId3" cstate="print">
             <a:extLst>
               <a:ext uri="{28A0092B-C50C-407E-A947-70E740481C1C}">
                 <a14:useLocalDpi xmlns:a14="http://schemas.microsoft.com/office/drawing/2010/main" val="0"/>
@@ -2460,7 +2425,7 @@
           <p:nvPr/>
         </p:nvPicPr>
         <p:blipFill>
-          <a:blip r:embed="rId6" cstate="print">
+          <a:blip r:embed="rId5" cstate="print">
             <a:extLst>
               <a:ext uri="{28A0092B-C50C-407E-A947-70E740481C1C}">
                 <a14:useLocalDpi xmlns:a14="http://schemas.microsoft.com/office/drawing/2010/main" val="0"/>
@@ -2495,7 +2460,7 @@
         </p:nvSpPr>
         <p:spPr>
           <a:xfrm>
-            <a:off x="8609489" y="21945045"/>
+            <a:off x="8606572" y="21358192"/>
             <a:ext cx="421850" cy="415037"/>
           </a:xfrm>
           <a:prstGeom prst="ellipse">
@@ -2687,7 +2652,7 @@
         </p:nvSpPr>
         <p:spPr>
           <a:xfrm>
-            <a:off x="9638969" y="13678857"/>
+            <a:off x="9638969" y="13772687"/>
             <a:ext cx="10693400" cy="3920213"/>
           </a:xfrm>
           <a:prstGeom prst="rect">
@@ -2804,7 +2769,7 @@
           <p:nvPr/>
         </p:nvPicPr>
         <p:blipFill>
-          <a:blip r:embed="rId7">
+          <a:blip r:embed="rId6">
             <a:extLst>
               <a:ext uri="{28A0092B-C50C-407E-A947-70E740481C1C}">
                 <a14:useLocalDpi xmlns:a14="http://schemas.microsoft.com/office/drawing/2010/main" val="0"/>
@@ -2875,7 +2840,7 @@
           <p:nvPr/>
         </p:nvPicPr>
         <p:blipFill>
-          <a:blip r:embed="rId8">
+          <a:blip r:embed="rId7">
             <a:extLst>
               <a:ext uri="{28A0092B-C50C-407E-A947-70E740481C1C}">
                 <a14:useLocalDpi xmlns:a14="http://schemas.microsoft.com/office/drawing/2010/main" val="0"/>
@@ -3015,8 +2980,8 @@
         </p:nvSpPr>
         <p:spPr>
           <a:xfrm>
-            <a:off x="9663146" y="20247985"/>
-            <a:ext cx="3019080" cy="6279833"/>
+            <a:off x="9663145" y="20247985"/>
+            <a:ext cx="7413239" cy="6279833"/>
           </a:xfrm>
           <a:prstGeom prst="rect">
             <a:avLst/>
@@ -3216,7 +3181,7 @@
           <p:nvPr/>
         </p:nvPicPr>
         <p:blipFill>
-          <a:blip r:embed="rId9" cstate="print">
+          <a:blip r:embed="rId8" cstate="print">
             <a:extLst>
               <a:ext uri="{28A0092B-C50C-407E-A947-70E740481C1C}">
                 <a14:useLocalDpi xmlns:a14="http://schemas.microsoft.com/office/drawing/2010/main" val="0"/>
@@ -3252,7 +3217,7 @@
           <p:nvPr/>
         </p:nvPicPr>
         <p:blipFill>
-          <a:blip r:embed="rId5" cstate="print">
+          <a:blip r:embed="rId4" cstate="print">
             <a:extLst>
               <a:ext uri="{28A0092B-C50C-407E-A947-70E740481C1C}">
                 <a14:useLocalDpi xmlns:a14="http://schemas.microsoft.com/office/drawing/2010/main" val="0"/>
@@ -3288,7 +3253,7 @@
           <p:nvPr/>
         </p:nvPicPr>
         <p:blipFill>
-          <a:blip r:embed="rId10" cstate="print">
+          <a:blip r:embed="rId9" cstate="print">
             <a:extLst>
               <a:ext uri="{28A0092B-C50C-407E-A947-70E740481C1C}">
                 <a14:useLocalDpi xmlns:a14="http://schemas.microsoft.com/office/drawing/2010/main" val="0"/>
@@ -3324,7 +3289,7 @@
           <p:nvPr/>
         </p:nvPicPr>
         <p:blipFill>
-          <a:blip r:embed="rId6" cstate="print">
+          <a:blip r:embed="rId5" cstate="print">
             <a:extLst>
               <a:ext uri="{28A0092B-C50C-407E-A947-70E740481C1C}">
                 <a14:useLocalDpi xmlns:a14="http://schemas.microsoft.com/office/drawing/2010/main" val="0"/>
@@ -3759,7 +3724,7 @@
           <p:nvPr/>
         </p:nvPicPr>
         <p:blipFill>
-          <a:blip r:embed="rId11">
+          <a:blip r:embed="rId10">
             <a:extLst>
               <a:ext uri="{28A0092B-C50C-407E-A947-70E740481C1C}">
                 <a14:useLocalDpi xmlns:a14="http://schemas.microsoft.com/office/drawing/2010/main" val="0"/>
@@ -3795,7 +3760,7 @@
           <p:nvPr/>
         </p:nvPicPr>
         <p:blipFill>
-          <a:blip r:embed="rId12">
+          <a:blip r:embed="rId11">
             <a:extLst>
               <a:ext uri="{28A0092B-C50C-407E-A947-70E740481C1C}">
                 <a14:useLocalDpi xmlns:a14="http://schemas.microsoft.com/office/drawing/2010/main" val="0"/>
@@ -3808,8 +3773,317 @@
         </p:blipFill>
         <p:spPr>
           <a:xfrm>
-            <a:off x="7338878" y="25008444"/>
-            <a:ext cx="3002540" cy="3002540"/>
+            <a:off x="7279156" y="24756417"/>
+            <a:ext cx="2597958" cy="2597958"/>
+          </a:xfrm>
+          <a:prstGeom prst="rect">
+            <a:avLst/>
+          </a:prstGeom>
+        </p:spPr>
+      </p:pic>
+      <p:cxnSp>
+        <p:nvCxnSpPr>
+          <p:cNvPr id="5" name="Straight Connector 4">
+            <a:extLst>
+              <a:ext uri="{FF2B5EF4-FFF2-40B4-BE49-F238E27FC236}">
+                <a16:creationId xmlns:a16="http://schemas.microsoft.com/office/drawing/2014/main" id="{B42F82CF-6460-4CB7-9150-2A1D059C4773}"/>
+              </a:ext>
+            </a:extLst>
+          </p:cNvPr>
+          <p:cNvCxnSpPr>
+            <a:cxnSpLocks/>
+          </p:cNvCxnSpPr>
+          <p:nvPr/>
+        </p:nvCxnSpPr>
+        <p:spPr>
+          <a:xfrm flipV="1">
+            <a:off x="0" y="8717280"/>
+            <a:ext cx="21366480" cy="11302"/>
+          </a:xfrm>
+          <a:prstGeom prst="line">
+            <a:avLst/>
+          </a:prstGeom>
+          <a:ln/>
+        </p:spPr>
+        <p:style>
+          <a:lnRef idx="2">
+            <a:schemeClr val="dk1"/>
+          </a:lnRef>
+          <a:fillRef idx="0">
+            <a:schemeClr val="dk1"/>
+          </a:fillRef>
+          <a:effectRef idx="1">
+            <a:schemeClr val="dk1"/>
+          </a:effectRef>
+          <a:fontRef idx="minor">
+            <a:schemeClr val="tx1"/>
+          </a:fontRef>
+        </p:style>
+      </p:cxnSp>
+      <p:cxnSp>
+        <p:nvCxnSpPr>
+          <p:cNvPr id="55" name="Straight Connector 54">
+            <a:extLst>
+              <a:ext uri="{FF2B5EF4-FFF2-40B4-BE49-F238E27FC236}">
+                <a16:creationId xmlns:a16="http://schemas.microsoft.com/office/drawing/2014/main" id="{450EDE1C-A299-4482-93E7-150A2E3E146A}"/>
+              </a:ext>
+            </a:extLst>
+          </p:cNvPr>
+          <p:cNvCxnSpPr>
+            <a:cxnSpLocks/>
+          </p:cNvCxnSpPr>
+          <p:nvPr/>
+        </p:nvCxnSpPr>
+        <p:spPr>
+          <a:xfrm flipV="1">
+            <a:off x="0" y="13933848"/>
+            <a:ext cx="21366480" cy="11302"/>
+          </a:xfrm>
+          <a:prstGeom prst="line">
+            <a:avLst/>
+          </a:prstGeom>
+          <a:ln/>
+        </p:spPr>
+        <p:style>
+          <a:lnRef idx="2">
+            <a:schemeClr val="dk1"/>
+          </a:lnRef>
+          <a:fillRef idx="0">
+            <a:schemeClr val="dk1"/>
+          </a:fillRef>
+          <a:effectRef idx="1">
+            <a:schemeClr val="dk1"/>
+          </a:effectRef>
+          <a:fontRef idx="minor">
+            <a:schemeClr val="tx1"/>
+          </a:fontRef>
+        </p:style>
+      </p:cxnSp>
+      <p:cxnSp>
+        <p:nvCxnSpPr>
+          <p:cNvPr id="56" name="Straight Connector 55">
+            <a:extLst>
+              <a:ext uri="{FF2B5EF4-FFF2-40B4-BE49-F238E27FC236}">
+                <a16:creationId xmlns:a16="http://schemas.microsoft.com/office/drawing/2014/main" id="{B9624843-FFB7-4263-8F04-309F416A38C6}"/>
+              </a:ext>
+            </a:extLst>
+          </p:cNvPr>
+          <p:cNvCxnSpPr>
+            <a:cxnSpLocks/>
+          </p:cNvCxnSpPr>
+          <p:nvPr/>
+        </p:nvCxnSpPr>
+        <p:spPr>
+          <a:xfrm>
+            <a:off x="9968941" y="20254033"/>
+            <a:ext cx="11414725" cy="49656"/>
+          </a:xfrm>
+          <a:prstGeom prst="line">
+            <a:avLst/>
+          </a:prstGeom>
+          <a:ln/>
+        </p:spPr>
+        <p:style>
+          <a:lnRef idx="2">
+            <a:schemeClr val="dk1"/>
+          </a:lnRef>
+          <a:fillRef idx="0">
+            <a:schemeClr val="dk1"/>
+          </a:fillRef>
+          <a:effectRef idx="1">
+            <a:schemeClr val="dk1"/>
+          </a:effectRef>
+          <a:fontRef idx="minor">
+            <a:schemeClr val="tx1"/>
+          </a:fontRef>
+        </p:style>
+      </p:cxnSp>
+      <p:cxnSp>
+        <p:nvCxnSpPr>
+          <p:cNvPr id="60" name="Straight Connector 59">
+            <a:extLst>
+              <a:ext uri="{FF2B5EF4-FFF2-40B4-BE49-F238E27FC236}">
+                <a16:creationId xmlns:a16="http://schemas.microsoft.com/office/drawing/2014/main" id="{A86E9F5E-7CDA-4D0D-9C3C-5503B8A77194}"/>
+              </a:ext>
+            </a:extLst>
+          </p:cNvPr>
+          <p:cNvCxnSpPr>
+            <a:cxnSpLocks/>
+          </p:cNvCxnSpPr>
+          <p:nvPr/>
+        </p:nvCxnSpPr>
+        <p:spPr>
+          <a:xfrm flipV="1">
+            <a:off x="0" y="23645820"/>
+            <a:ext cx="9968941" cy="24810"/>
+          </a:xfrm>
+          <a:prstGeom prst="line">
+            <a:avLst/>
+          </a:prstGeom>
+          <a:ln/>
+        </p:spPr>
+        <p:style>
+          <a:lnRef idx="2">
+            <a:schemeClr val="dk1"/>
+          </a:lnRef>
+          <a:fillRef idx="0">
+            <a:schemeClr val="dk1"/>
+          </a:fillRef>
+          <a:effectRef idx="1">
+            <a:schemeClr val="dk1"/>
+          </a:effectRef>
+          <a:fontRef idx="minor">
+            <a:schemeClr val="tx1"/>
+          </a:fontRef>
+        </p:style>
+      </p:cxnSp>
+      <p:cxnSp>
+        <p:nvCxnSpPr>
+          <p:cNvPr id="68" name="Straight Connector 67">
+            <a:extLst>
+              <a:ext uri="{FF2B5EF4-FFF2-40B4-BE49-F238E27FC236}">
+                <a16:creationId xmlns:a16="http://schemas.microsoft.com/office/drawing/2014/main" id="{B6A3619A-F750-4AC9-BC43-12B5EF96715D}"/>
+              </a:ext>
+            </a:extLst>
+          </p:cNvPr>
+          <p:cNvCxnSpPr>
+            <a:cxnSpLocks/>
+          </p:cNvCxnSpPr>
+          <p:nvPr/>
+        </p:nvCxnSpPr>
+        <p:spPr>
+          <a:xfrm flipV="1">
+            <a:off x="-16556" y="3008698"/>
+            <a:ext cx="21366480" cy="11302"/>
+          </a:xfrm>
+          <a:prstGeom prst="line">
+            <a:avLst/>
+          </a:prstGeom>
+          <a:ln/>
+        </p:spPr>
+        <p:style>
+          <a:lnRef idx="2">
+            <a:schemeClr val="dk1"/>
+          </a:lnRef>
+          <a:fillRef idx="0">
+            <a:schemeClr val="dk1"/>
+          </a:fillRef>
+          <a:effectRef idx="1">
+            <a:schemeClr val="dk1"/>
+          </a:effectRef>
+          <a:fontRef idx="minor">
+            <a:schemeClr val="tx1"/>
+          </a:fontRef>
+        </p:style>
+      </p:cxnSp>
+      <p:cxnSp>
+        <p:nvCxnSpPr>
+          <p:cNvPr id="28" name="Straight Connector 27">
+            <a:extLst>
+              <a:ext uri="{FF2B5EF4-FFF2-40B4-BE49-F238E27FC236}">
+                <a16:creationId xmlns:a16="http://schemas.microsoft.com/office/drawing/2014/main" id="{AF59DAD0-0DB5-457F-B54D-7B6C1CDD5964}"/>
+              </a:ext>
+            </a:extLst>
+          </p:cNvPr>
+          <p:cNvCxnSpPr>
+            <a:cxnSpLocks/>
+          </p:cNvCxnSpPr>
+          <p:nvPr/>
+        </p:nvCxnSpPr>
+        <p:spPr>
+          <a:xfrm>
+            <a:off x="13747826" y="3008698"/>
+            <a:ext cx="41918" cy="5705704"/>
+          </a:xfrm>
+          <a:prstGeom prst="line">
+            <a:avLst/>
+          </a:prstGeom>
+          <a:ln/>
+        </p:spPr>
+        <p:style>
+          <a:lnRef idx="2">
+            <a:schemeClr val="dk1"/>
+          </a:lnRef>
+          <a:fillRef idx="0">
+            <a:schemeClr val="dk1"/>
+          </a:fillRef>
+          <a:effectRef idx="1">
+            <a:schemeClr val="dk1"/>
+          </a:effectRef>
+          <a:fontRef idx="minor">
+            <a:schemeClr val="tx1"/>
+          </a:fontRef>
+        </p:style>
+      </p:cxnSp>
+      <p:cxnSp>
+        <p:nvCxnSpPr>
+          <p:cNvPr id="69" name="Straight Connector 68">
+            <a:extLst>
+              <a:ext uri="{FF2B5EF4-FFF2-40B4-BE49-F238E27FC236}">
+                <a16:creationId xmlns:a16="http://schemas.microsoft.com/office/drawing/2014/main" id="{39C4D89E-FC5E-4E84-8F11-F3C2103F4289}"/>
+              </a:ext>
+            </a:extLst>
+          </p:cNvPr>
+          <p:cNvCxnSpPr>
+            <a:cxnSpLocks/>
+          </p:cNvCxnSpPr>
+          <p:nvPr/>
+        </p:nvCxnSpPr>
+        <p:spPr>
+          <a:xfrm>
+            <a:off x="9944920" y="13959456"/>
+            <a:ext cx="28783" cy="14533551"/>
+          </a:xfrm>
+          <a:prstGeom prst="line">
+            <a:avLst/>
+          </a:prstGeom>
+          <a:ln/>
+        </p:spPr>
+        <p:style>
+          <a:lnRef idx="2">
+            <a:schemeClr val="dk1"/>
+          </a:lnRef>
+          <a:fillRef idx="0">
+            <a:schemeClr val="dk1"/>
+          </a:fillRef>
+          <a:effectRef idx="1">
+            <a:schemeClr val="dk1"/>
+          </a:effectRef>
+          <a:fontRef idx="minor">
+            <a:schemeClr val="tx1"/>
+          </a:fontRef>
+        </p:style>
+      </p:cxnSp>
+      <p:pic>
+        <p:nvPicPr>
+          <p:cNvPr id="74" name="Picture 73" descr="A person sitting in a restaurant&#10;&#10;Description automatically generated">
+            <a:extLst>
+              <a:ext uri="{FF2B5EF4-FFF2-40B4-BE49-F238E27FC236}">
+                <a16:creationId xmlns:a16="http://schemas.microsoft.com/office/drawing/2014/main" id="{CCEF6576-12A5-4407-83AB-0D2BFCBF8DBE}"/>
+              </a:ext>
+            </a:extLst>
+          </p:cNvPr>
+          <p:cNvPicPr>
+            <a:picLocks noChangeAspect="1"/>
+          </p:cNvPicPr>
+          <p:nvPr/>
+        </p:nvPicPr>
+        <p:blipFill>
+          <a:blip r:embed="rId12" cstate="print">
+            <a:extLst>
+              <a:ext uri="{28A0092B-C50C-407E-A947-70E740481C1C}">
+                <a14:useLocalDpi xmlns:a14="http://schemas.microsoft.com/office/drawing/2010/main" val="0"/>
+              </a:ext>
+            </a:extLst>
+          </a:blip>
+          <a:stretch>
+            <a:fillRect/>
+          </a:stretch>
+        </p:blipFill>
+        <p:spPr>
+          <a:xfrm>
+            <a:off x="19896206" y="0"/>
+            <a:ext cx="1490594" cy="1620000"/>
           </a:xfrm>
           <a:prstGeom prst="rect">
             <a:avLst/>
